--- a/Hướng dẫn sử dụng github.pptx
+++ b/Hướng dẫn sử dụng github.pptx
@@ -112,6 +112,22 @@
       </a:defRPr>
     </a:lvl9pPr>
   </p:defaultTextStyle>
+  <p:extLst>
+    <p:ext uri="{EFAFB233-063F-42B5-8137-9DF3F51BA10A}">
+      <p15:sldGuideLst xmlns:p15="http://schemas.microsoft.com/office/powerpoint/2012/main">
+        <p15:guide id="1" orient="horz" pos="2160">
+          <p15:clr>
+            <a:srgbClr val="A4A3A4"/>
+          </p15:clr>
+        </p15:guide>
+        <p15:guide id="2" pos="2880">
+          <p15:clr>
+            <a:srgbClr val="A4A3A4"/>
+          </p15:clr>
+        </p15:guide>
+      </p15:sldGuideLst>
+    </p:ext>
+  </p:extLst>
 </p:presentation>
 </file>
 
@@ -197,7 +213,7 @@
           <a:p>
             <a:fld id="{1E0F99A7-8CE6-4A08-9D44-BE542C7A6CB7}" type="datetimeFigureOut">
               <a:rPr lang="en-US" smtClean="0"/>
-              <a:t>29/2/2016</a:t>
+              <a:t>29-Feb-16</a:t>
             </a:fld>
             <a:endParaRPr lang="en-US"/>
           </a:p>
@@ -730,7 +746,7 @@
           <a:p>
             <a:fld id="{9EDB43CF-DAE1-4189-8C69-F7FFDA3C645A}" type="datetimeFigureOut">
               <a:rPr lang="en-US" smtClean="0"/>
-              <a:t>29/2/2016</a:t>
+              <a:t>29-Feb-16</a:t>
             </a:fld>
             <a:endParaRPr lang="en-US"/>
           </a:p>
@@ -900,7 +916,7 @@
           <a:p>
             <a:fld id="{9EDB43CF-DAE1-4189-8C69-F7FFDA3C645A}" type="datetimeFigureOut">
               <a:rPr lang="en-US" smtClean="0"/>
-              <a:t>29/2/2016</a:t>
+              <a:t>29-Feb-16</a:t>
             </a:fld>
             <a:endParaRPr lang="en-US"/>
           </a:p>
@@ -1080,7 +1096,7 @@
           <a:p>
             <a:fld id="{9EDB43CF-DAE1-4189-8C69-F7FFDA3C645A}" type="datetimeFigureOut">
               <a:rPr lang="en-US" smtClean="0"/>
-              <a:t>29/2/2016</a:t>
+              <a:t>29-Feb-16</a:t>
             </a:fld>
             <a:endParaRPr lang="en-US"/>
           </a:p>
@@ -1250,7 +1266,7 @@
           <a:p>
             <a:fld id="{9EDB43CF-DAE1-4189-8C69-F7FFDA3C645A}" type="datetimeFigureOut">
               <a:rPr lang="en-US" smtClean="0"/>
-              <a:t>29/2/2016</a:t>
+              <a:t>29-Feb-16</a:t>
             </a:fld>
             <a:endParaRPr lang="en-US"/>
           </a:p>
@@ -1496,7 +1512,7 @@
           <a:p>
             <a:fld id="{9EDB43CF-DAE1-4189-8C69-F7FFDA3C645A}" type="datetimeFigureOut">
               <a:rPr lang="en-US" smtClean="0"/>
-              <a:t>29/2/2016</a:t>
+              <a:t>29-Feb-16</a:t>
             </a:fld>
             <a:endParaRPr lang="en-US"/>
           </a:p>
@@ -1784,7 +1800,7 @@
           <a:p>
             <a:fld id="{9EDB43CF-DAE1-4189-8C69-F7FFDA3C645A}" type="datetimeFigureOut">
               <a:rPr lang="en-US" smtClean="0"/>
-              <a:t>29/2/2016</a:t>
+              <a:t>29-Feb-16</a:t>
             </a:fld>
             <a:endParaRPr lang="en-US"/>
           </a:p>
@@ -2206,7 +2222,7 @@
           <a:p>
             <a:fld id="{9EDB43CF-DAE1-4189-8C69-F7FFDA3C645A}" type="datetimeFigureOut">
               <a:rPr lang="en-US" smtClean="0"/>
-              <a:t>29/2/2016</a:t>
+              <a:t>29-Feb-16</a:t>
             </a:fld>
             <a:endParaRPr lang="en-US"/>
           </a:p>
@@ -2324,7 +2340,7 @@
           <a:p>
             <a:fld id="{9EDB43CF-DAE1-4189-8C69-F7FFDA3C645A}" type="datetimeFigureOut">
               <a:rPr lang="en-US" smtClean="0"/>
-              <a:t>29/2/2016</a:t>
+              <a:t>29-Feb-16</a:t>
             </a:fld>
             <a:endParaRPr lang="en-US"/>
           </a:p>
@@ -2419,7 +2435,7 @@
           <a:p>
             <a:fld id="{9EDB43CF-DAE1-4189-8C69-F7FFDA3C645A}" type="datetimeFigureOut">
               <a:rPr lang="en-US" smtClean="0"/>
-              <a:t>29/2/2016</a:t>
+              <a:t>29-Feb-16</a:t>
             </a:fld>
             <a:endParaRPr lang="en-US"/>
           </a:p>
@@ -2696,7 +2712,7 @@
           <a:p>
             <a:fld id="{9EDB43CF-DAE1-4189-8C69-F7FFDA3C645A}" type="datetimeFigureOut">
               <a:rPr lang="en-US" smtClean="0"/>
-              <a:t>29/2/2016</a:t>
+              <a:t>29-Feb-16</a:t>
             </a:fld>
             <a:endParaRPr lang="en-US"/>
           </a:p>
@@ -2949,7 +2965,7 @@
           <a:p>
             <a:fld id="{9EDB43CF-DAE1-4189-8C69-F7FFDA3C645A}" type="datetimeFigureOut">
               <a:rPr lang="en-US" smtClean="0"/>
-              <a:t>29/2/2016</a:t>
+              <a:t>29-Feb-16</a:t>
             </a:fld>
             <a:endParaRPr lang="en-US"/>
           </a:p>
@@ -3162,7 +3178,7 @@
           <a:p>
             <a:fld id="{9EDB43CF-DAE1-4189-8C69-F7FFDA3C645A}" type="datetimeFigureOut">
               <a:rPr lang="en-US" smtClean="0"/>
-              <a:t>29/2/2016</a:t>
+              <a:t>29-Feb-16</a:t>
             </a:fld>
             <a:endParaRPr lang="en-US"/>
           </a:p>
@@ -3558,10 +3574,57 @@
           <a:lstStyle/>
           <a:p>
             <a:r>
-              <a:rPr lang="en-US" smtClean="0"/>
-              <a:t>Hướng dẫn sử dụng github</a:t>
-            </a:r>
-            <a:endParaRPr lang="en-US"/>
+              <a:rPr lang="en-US" dirty="0" err="1" smtClean="0"/>
+              <a:t>Sáng</a:t>
+            </a:r>
+            <a:r>
+              <a:rPr lang="en-US" dirty="0" smtClean="0"/>
+              <a:t> </a:t>
+            </a:r>
+            <a:r>
+              <a:rPr lang="en-US" dirty="0" err="1" smtClean="0"/>
+              <a:t>nsy</a:t>
+            </a:r>
+            <a:r>
+              <a:rPr lang="en-US" dirty="0" smtClean="0"/>
+              <a:t> </a:t>
+            </a:r>
+            <a:r>
+              <a:rPr lang="en-US" dirty="0" err="1" smtClean="0"/>
+              <a:t>không</a:t>
+            </a:r>
+            <a:r>
+              <a:rPr lang="en-US" dirty="0" smtClean="0"/>
+              <a:t> </a:t>
+            </a:r>
+            <a:r>
+              <a:rPr lang="en-US" dirty="0" err="1" smtClean="0"/>
+              <a:t>được</a:t>
+            </a:r>
+            <a:r>
+              <a:rPr lang="en-US" dirty="0" smtClean="0"/>
+              <a:t> </a:t>
+            </a:r>
+            <a:r>
+              <a:rPr lang="en-US" dirty="0" err="1" smtClean="0"/>
+              <a:t>gì</a:t>
+            </a:r>
+            <a:r>
+              <a:rPr lang="en-US" dirty="0" smtClean="0"/>
+              <a:t> </a:t>
+            </a:r>
+            <a:r>
+              <a:rPr lang="en-US" dirty="0" err="1" smtClean="0"/>
+              <a:t>cả</a:t>
+            </a:r>
+            <a:r>
+              <a:rPr lang="en-US" smtClean="0"/>
+              <a:t/>
+            </a:r>
+            <a:br>
+              <a:rPr lang="en-US" smtClean="0"/>
+            </a:br>
+            <a:endParaRPr lang="en-US" dirty="0"/>
           </a:p>
         </p:txBody>
       </p:sp>
